--- a/2021.12.19 「小马哥技术周报」- 第四十六期  《Log4j2 高风险漏洞的来龙去脉》/2021.12.19 「小马哥技术周报」- 第四十六期  《Log4j2 高风险漏洞的来龙去脉》.pptx
+++ b/2021.12.19 「小马哥技术周报」- 第四十六期  《Log4j2 高风险漏洞的来龙去脉》/2021.12.19 「小马哥技术周报」- 第四十六期  《Log4j2 高风险漏洞的来龙去脉》.pptx
@@ -16554,7 +16554,7 @@
                 <a:cs typeface="微软雅黑" panose="020B0503020204020204" charset="-122"/>
                 <a:sym typeface="+mn-ea"/>
               </a:rPr>
-              <a:t>《阿里开源工程 Velocity Spring Boot》</a:t>
+              <a:t>《Log4j2 高风险漏洞的来龙去脉》</a:t>
             </a:r>
             <a:endParaRPr sz="3200" dirty="0">
               <a:latin typeface="微软雅黑" panose="020B0503020204020204" charset="-122"/>
